--- a/newspage/img/logo.pptx
+++ b/newspage/img/logo.pptx
@@ -198,7 +198,7 @@
           <a:p>
             <a:fld id="{4C97CBE6-D7E2-40A9-AC36-80D4335BF576}" type="datetimeFigureOut">
               <a:rPr lang="zh-CN" altLang="en-US" smtClean="0"/>
-              <a:t>2023/12/27</a:t>
+              <a:t>2024/4/28</a:t>
             </a:fld>
             <a:endParaRPr lang="zh-CN" altLang="en-US"/>
           </a:p>
@@ -780,7 +780,7 @@
           <a:p>
             <a:fld id="{DA612C65-63DF-45EB-A9F7-8845D50AFCCC}" type="datetimeFigureOut">
               <a:rPr lang="zh-CN" altLang="en-US" smtClean="0"/>
-              <a:t>2023/12/27</a:t>
+              <a:t>2024/4/28</a:t>
             </a:fld>
             <a:endParaRPr lang="zh-CN" altLang="en-US"/>
           </a:p>
@@ -978,7 +978,7 @@
           <a:p>
             <a:fld id="{DA612C65-63DF-45EB-A9F7-8845D50AFCCC}" type="datetimeFigureOut">
               <a:rPr lang="zh-CN" altLang="en-US" smtClean="0"/>
-              <a:t>2023/12/27</a:t>
+              <a:t>2024/4/28</a:t>
             </a:fld>
             <a:endParaRPr lang="zh-CN" altLang="en-US"/>
           </a:p>
@@ -1186,7 +1186,7 @@
           <a:p>
             <a:fld id="{DA612C65-63DF-45EB-A9F7-8845D50AFCCC}" type="datetimeFigureOut">
               <a:rPr lang="zh-CN" altLang="en-US" smtClean="0"/>
-              <a:t>2023/12/27</a:t>
+              <a:t>2024/4/28</a:t>
             </a:fld>
             <a:endParaRPr lang="zh-CN" altLang="en-US"/>
           </a:p>
@@ -1384,7 +1384,7 @@
           <a:p>
             <a:fld id="{DA612C65-63DF-45EB-A9F7-8845D50AFCCC}" type="datetimeFigureOut">
               <a:rPr lang="zh-CN" altLang="en-US" smtClean="0"/>
-              <a:t>2023/12/27</a:t>
+              <a:t>2024/4/28</a:t>
             </a:fld>
             <a:endParaRPr lang="zh-CN" altLang="en-US"/>
           </a:p>
@@ -1659,7 +1659,7 @@
           <a:p>
             <a:fld id="{DA612C65-63DF-45EB-A9F7-8845D50AFCCC}" type="datetimeFigureOut">
               <a:rPr lang="zh-CN" altLang="en-US" smtClean="0"/>
-              <a:t>2023/12/27</a:t>
+              <a:t>2024/4/28</a:t>
             </a:fld>
             <a:endParaRPr lang="zh-CN" altLang="en-US"/>
           </a:p>
@@ -1924,7 +1924,7 @@
           <a:p>
             <a:fld id="{DA612C65-63DF-45EB-A9F7-8845D50AFCCC}" type="datetimeFigureOut">
               <a:rPr lang="zh-CN" altLang="en-US" smtClean="0"/>
-              <a:t>2023/12/27</a:t>
+              <a:t>2024/4/28</a:t>
             </a:fld>
             <a:endParaRPr lang="zh-CN" altLang="en-US"/>
           </a:p>
@@ -2336,7 +2336,7 @@
           <a:p>
             <a:fld id="{DA612C65-63DF-45EB-A9F7-8845D50AFCCC}" type="datetimeFigureOut">
               <a:rPr lang="zh-CN" altLang="en-US" smtClean="0"/>
-              <a:t>2023/12/27</a:t>
+              <a:t>2024/4/28</a:t>
             </a:fld>
             <a:endParaRPr lang="zh-CN" altLang="en-US"/>
           </a:p>
@@ -2477,7 +2477,7 @@
           <a:p>
             <a:fld id="{DA612C65-63DF-45EB-A9F7-8845D50AFCCC}" type="datetimeFigureOut">
               <a:rPr lang="zh-CN" altLang="en-US" smtClean="0"/>
-              <a:t>2023/12/27</a:t>
+              <a:t>2024/4/28</a:t>
             </a:fld>
             <a:endParaRPr lang="zh-CN" altLang="en-US"/>
           </a:p>
@@ -2590,7 +2590,7 @@
           <a:p>
             <a:fld id="{DA612C65-63DF-45EB-A9F7-8845D50AFCCC}" type="datetimeFigureOut">
               <a:rPr lang="zh-CN" altLang="en-US" smtClean="0"/>
-              <a:t>2023/12/27</a:t>
+              <a:t>2024/4/28</a:t>
             </a:fld>
             <a:endParaRPr lang="zh-CN" altLang="en-US"/>
           </a:p>
@@ -2901,7 +2901,7 @@
           <a:p>
             <a:fld id="{DA612C65-63DF-45EB-A9F7-8845D50AFCCC}" type="datetimeFigureOut">
               <a:rPr lang="zh-CN" altLang="en-US" smtClean="0"/>
-              <a:t>2023/12/27</a:t>
+              <a:t>2024/4/28</a:t>
             </a:fld>
             <a:endParaRPr lang="zh-CN" altLang="en-US"/>
           </a:p>
@@ -3189,7 +3189,7 @@
           <a:p>
             <a:fld id="{DA612C65-63DF-45EB-A9F7-8845D50AFCCC}" type="datetimeFigureOut">
               <a:rPr lang="zh-CN" altLang="en-US" smtClean="0"/>
-              <a:t>2023/12/27</a:t>
+              <a:t>2024/4/28</a:t>
             </a:fld>
             <a:endParaRPr lang="zh-CN" altLang="en-US"/>
           </a:p>
@@ -3430,7 +3430,7 @@
           <a:p>
             <a:fld id="{DA612C65-63DF-45EB-A9F7-8845D50AFCCC}" type="datetimeFigureOut">
               <a:rPr lang="zh-CN" altLang="en-US" smtClean="0"/>
-              <a:t>2023/12/27</a:t>
+              <a:t>2024/4/28</a:t>
             </a:fld>
             <a:endParaRPr lang="zh-CN" altLang="en-US"/>
           </a:p>
@@ -3847,6 +3847,96 @@
           <a:chExt cx="0" cy="0"/>
         </a:xfrm>
       </p:grpSpPr>
+      <p:sp>
+        <p:nvSpPr>
+          <p:cNvPr id="5" name="矩形 4">
+            <a:extLst>
+              <a:ext uri="{FF2B5EF4-FFF2-40B4-BE49-F238E27FC236}">
+                <a16:creationId xmlns:a16="http://schemas.microsoft.com/office/drawing/2014/main" id="{93348153-D5C9-D927-E157-2CAAE3D05968}"/>
+              </a:ext>
+            </a:extLst>
+          </p:cNvPr>
+          <p:cNvSpPr/>
+          <p:nvPr/>
+        </p:nvSpPr>
+        <p:spPr>
+          <a:xfrm>
+            <a:off x="578259" y="2228671"/>
+            <a:ext cx="2194437" cy="2194437"/>
+          </a:xfrm>
+          <a:prstGeom prst="rect">
+            <a:avLst/>
+          </a:prstGeom>
+          <a:solidFill>
+            <a:schemeClr val="bg1">
+              <a:lumMod val="65000"/>
+            </a:schemeClr>
+          </a:solidFill>
+          <a:ln>
+            <a:noFill/>
+          </a:ln>
+        </p:spPr>
+        <p:style>
+          <a:lnRef idx="2">
+            <a:schemeClr val="accent1">
+              <a:shade val="15000"/>
+            </a:schemeClr>
+          </a:lnRef>
+          <a:fillRef idx="1">
+            <a:schemeClr val="accent1"/>
+          </a:fillRef>
+          <a:effectRef idx="0">
+            <a:schemeClr val="accent1"/>
+          </a:effectRef>
+          <a:fontRef idx="minor">
+            <a:schemeClr val="lt1"/>
+          </a:fontRef>
+        </p:style>
+        <p:txBody>
+          <a:bodyPr rtlCol="0" anchor="ctr"/>
+          <a:lstStyle/>
+          <a:p>
+            <a:pPr algn="ctr"/>
+            <a:endParaRPr lang="zh-CN" altLang="en-US" dirty="0"/>
+          </a:p>
+        </p:txBody>
+      </p:sp>
+      <p:pic>
+        <p:nvPicPr>
+          <p:cNvPr id="3" name="图片 2">
+            <a:extLst>
+              <a:ext uri="{FF2B5EF4-FFF2-40B4-BE49-F238E27FC236}">
+                <a16:creationId xmlns:a16="http://schemas.microsoft.com/office/drawing/2014/main" id="{2354DD0A-AD58-375B-D4AF-9D2C2EF14834}"/>
+              </a:ext>
+            </a:extLst>
+          </p:cNvPr>
+          <p:cNvPicPr>
+            <a:picLocks noChangeAspect="1"/>
+          </p:cNvPicPr>
+          <p:nvPr/>
+        </p:nvPicPr>
+        <p:blipFill>
+          <a:blip r:embed="rId3">
+            <a:extLst>
+              <a:ext uri="{28A0092B-C50C-407E-A947-70E740481C1C}">
+                <a14:useLocalDpi xmlns:a14="http://schemas.microsoft.com/office/drawing/2010/main" val="0"/>
+              </a:ext>
+            </a:extLst>
+          </a:blip>
+          <a:stretch>
+            <a:fillRect/>
+          </a:stretch>
+        </p:blipFill>
+        <p:spPr>
+          <a:xfrm>
+            <a:off x="578258" y="2228670"/>
+            <a:ext cx="2194437" cy="2194437"/>
+          </a:xfrm>
+          <a:prstGeom prst="rect">
+            <a:avLst/>
+          </a:prstGeom>
+        </p:spPr>
+      </p:pic>
       <p:sp>
         <p:nvSpPr>
           <p:cNvPr id="4" name="文本框 3">
